--- a/IT002-OOP/Slide thực hành/Lab 4. Inherit-Polymorphism.pptx
+++ b/IT002-OOP/Slide thực hành/Lab 4. Inherit-Polymorphism.pptx
@@ -645,7 +645,7 @@
           </a:lstStyle>
           <a:p>
             <a:fld id="{5F3F21E7-EAA5-7345-9EA5-347B4B365C01}" type="datetimeFigureOut">
-              <a:t>09/05/2023</a:t>
+              <a:t>10/05/2023</a:t>
             </a:fld>
             <a:endParaRPr lang="en-VN"/>
           </a:p>
@@ -1040,7 +1040,7 @@
           <a:lstStyle/>
           <a:p>
             <a:fld id="{53453E43-4B1D-3A42-BE6B-ABEB5F0628D5}" type="datetime1">
-              <a:t>09/05/2023</a:t>
+              <a:t>10/05/2023</a:t>
             </a:fld>
             <a:endParaRPr lang="en-US"/>
           </a:p>
@@ -1207,7 +1207,7 @@
           <a:lstStyle/>
           <a:p>
             <a:fld id="{1E87A7D5-1716-9843-81B2-4B5092F8352C}" type="datetime1">
-              <a:t>09/05/2023</a:t>
+              <a:t>10/05/2023</a:t>
             </a:fld>
             <a:endParaRPr lang="en-US"/>
           </a:p>
@@ -1384,7 +1384,7 @@
           <a:lstStyle/>
           <a:p>
             <a:fld id="{640CF4CD-2EDC-F64C-BC1B-C2592AA6059E}" type="datetime1">
-              <a:t>09/05/2023</a:t>
+              <a:t>10/05/2023</a:t>
             </a:fld>
             <a:endParaRPr lang="en-US"/>
           </a:p>
@@ -1551,7 +1551,7 @@
           <a:lstStyle/>
           <a:p>
             <a:fld id="{45546296-E087-584E-B023-A22B8CD5E34F}" type="datetime1">
-              <a:t>09/05/2023</a:t>
+              <a:t>10/05/2023</a:t>
             </a:fld>
             <a:endParaRPr lang="en-US"/>
           </a:p>
@@ -1795,7 +1795,7 @@
           <a:lstStyle/>
           <a:p>
             <a:fld id="{449E6226-9DDF-9A4C-8875-CE6879E04C1D}" type="datetime1">
-              <a:t>09/05/2023</a:t>
+              <a:t>10/05/2023</a:t>
             </a:fld>
             <a:endParaRPr lang="en-US"/>
           </a:p>
@@ -2023,7 +2023,7 @@
           <a:lstStyle/>
           <a:p>
             <a:fld id="{51EF8553-DDE8-4043-82B2-9B96280A5357}" type="datetime1">
-              <a:t>09/05/2023</a:t>
+              <a:t>10/05/2023</a:t>
             </a:fld>
             <a:endParaRPr lang="en-US"/>
           </a:p>
@@ -2386,7 +2386,7 @@
           <a:lstStyle/>
           <a:p>
             <a:fld id="{215C8AD3-8565-F349-BF89-BFEB7AFA89E7}" type="datetime1">
-              <a:t>09/05/2023</a:t>
+              <a:t>10/05/2023</a:t>
             </a:fld>
             <a:endParaRPr lang="en-US"/>
           </a:p>
@@ -2502,7 +2502,7 @@
           <a:lstStyle/>
           <a:p>
             <a:fld id="{C5DF1D36-6D99-E249-89C8-EC606EDC1953}" type="datetime1">
-              <a:t>09/05/2023</a:t>
+              <a:t>10/05/2023</a:t>
             </a:fld>
             <a:endParaRPr lang="en-US"/>
           </a:p>
@@ -2596,7 +2596,7 @@
           <a:lstStyle/>
           <a:p>
             <a:fld id="{58051EF1-945F-FA41-BB4C-52D84C7E3625}" type="datetime1">
-              <a:t>09/05/2023</a:t>
+              <a:t>10/05/2023</a:t>
             </a:fld>
             <a:endParaRPr lang="en-US"/>
           </a:p>
@@ -2870,7 +2870,7 @@
           <a:lstStyle/>
           <a:p>
             <a:fld id="{A6AA16DB-C31A-3E42-B0DF-8C843ECE1FF6}" type="datetime1">
-              <a:t>09/05/2023</a:t>
+              <a:t>10/05/2023</a:t>
             </a:fld>
             <a:endParaRPr lang="en-US"/>
           </a:p>
@@ -3121,7 +3121,7 @@
           <a:lstStyle/>
           <a:p>
             <a:fld id="{DF7358F0-8CD8-3F49-B5A7-0B43C7ACE525}" type="datetime1">
-              <a:t>09/05/2023</a:t>
+              <a:t>10/05/2023</a:t>
             </a:fld>
             <a:endParaRPr lang="en-US"/>
           </a:p>
@@ -3331,7 +3331,7 @@
           </a:lstStyle>
           <a:p>
             <a:fld id="{636CBC33-A80A-7C41-A620-4F017109EF29}" type="datetime1">
-              <a:t>09/05/2023</a:t>
+              <a:t>10/05/2023</a:t>
             </a:fld>
             <a:endParaRPr lang="en-US"/>
           </a:p>
@@ -4104,254 +4104,6 @@
   <p:clrMapOvr>
     <a:masterClrMapping/>
   </p:clrMapOvr>
-  <mc:AlternateContent xmlns:mc="http://schemas.openxmlformats.org/markup-compatibility/2006" xmlns:p14="http://schemas.microsoft.com/office/powerpoint/2010/main">
-    <mc:Choice Requires="p14">
-      <p:transition p14:dur="100">
-        <p:cut/>
-      </p:transition>
-    </mc:Choice>
-    <mc:Fallback xmlns="">
-      <p:transition>
-        <p:cut/>
-      </p:transition>
-    </mc:Fallback>
-  </mc:AlternateContent>
-  <p:timing>
-    <p:tnLst>
-      <p:par>
-        <p:cTn id="1" dur="indefinite" restart="never" nodeType="tmRoot">
-          <p:childTnLst>
-            <p:seq concurrent="1" nextAc="seek">
-              <p:cTn id="2" dur="indefinite" nodeType="mainSeq">
-                <p:childTnLst>
-                  <p:par>
-                    <p:cTn id="3" fill="hold">
-                      <p:stCondLst>
-                        <p:cond delay="indefinite"/>
-                      </p:stCondLst>
-                      <p:childTnLst>
-                        <p:par>
-                          <p:cTn id="4" fill="hold">
-                            <p:stCondLst>
-                              <p:cond delay="0"/>
-                            </p:stCondLst>
-                            <p:childTnLst>
-                              <p:par>
-                                <p:cTn id="5" presetID="2" presetClass="entr" presetSubtype="4" fill="hold" nodeType="clickEffect">
-                                  <p:stCondLst>
-                                    <p:cond delay="0"/>
-                                  </p:stCondLst>
-                                  <p:childTnLst>
-                                    <p:set>
-                                      <p:cBhvr>
-                                        <p:cTn id="6" dur="1" fill="hold">
-                                          <p:stCondLst>
-                                            <p:cond delay="0"/>
-                                          </p:stCondLst>
-                                        </p:cTn>
-                                        <p:tgtEl>
-                                          <p:spTgt spid="3">
-                                            <p:txEl>
-                                              <p:pRg st="1" end="1"/>
-                                            </p:txEl>
-                                          </p:spTgt>
-                                        </p:tgtEl>
-                                        <p:attrNameLst>
-                                          <p:attrName>style.visibility</p:attrName>
-                                        </p:attrNameLst>
-                                      </p:cBhvr>
-                                      <p:to>
-                                        <p:strVal val="visible"/>
-                                      </p:to>
-                                    </p:set>
-                                    <p:anim calcmode="lin" valueType="num">
-                                      <p:cBhvr additive="base">
-                                        <p:cTn id="7" dur="500" fill="hold"/>
-                                        <p:tgtEl>
-                                          <p:spTgt spid="3">
-                                            <p:txEl>
-                                              <p:pRg st="1" end="1"/>
-                                            </p:txEl>
-                                          </p:spTgt>
-                                        </p:tgtEl>
-                                        <p:attrNameLst>
-                                          <p:attrName>ppt_x</p:attrName>
-                                        </p:attrNameLst>
-                                      </p:cBhvr>
-                                      <p:tavLst>
-                                        <p:tav tm="0">
-                                          <p:val>
-                                            <p:strVal val="#ppt_x"/>
-                                          </p:val>
-                                        </p:tav>
-                                        <p:tav tm="100000">
-                                          <p:val>
-                                            <p:strVal val="#ppt_x"/>
-                                          </p:val>
-                                        </p:tav>
-                                      </p:tavLst>
-                                    </p:anim>
-                                    <p:anim calcmode="lin" valueType="num">
-                                      <p:cBhvr additive="base">
-                                        <p:cTn id="8" dur="500" fill="hold"/>
-                                        <p:tgtEl>
-                                          <p:spTgt spid="3">
-                                            <p:txEl>
-                                              <p:pRg st="1" end="1"/>
-                                            </p:txEl>
-                                          </p:spTgt>
-                                        </p:tgtEl>
-                                        <p:attrNameLst>
-                                          <p:attrName>ppt_y</p:attrName>
-                                        </p:attrNameLst>
-                                      </p:cBhvr>
-                                      <p:tavLst>
-                                        <p:tav tm="0">
-                                          <p:val>
-                                            <p:strVal val="1+#ppt_h/2"/>
-                                          </p:val>
-                                        </p:tav>
-                                        <p:tav tm="100000">
-                                          <p:val>
-                                            <p:strVal val="#ppt_y"/>
-                                          </p:val>
-                                        </p:tav>
-                                      </p:tavLst>
-                                    </p:anim>
-                                  </p:childTnLst>
-                                </p:cTn>
-                              </p:par>
-                            </p:childTnLst>
-                          </p:cTn>
-                        </p:par>
-                      </p:childTnLst>
-                    </p:cTn>
-                  </p:par>
-                  <p:par>
-                    <p:cTn id="9" fill="hold">
-                      <p:stCondLst>
-                        <p:cond delay="indefinite"/>
-                      </p:stCondLst>
-                      <p:childTnLst>
-                        <p:par>
-                          <p:cTn id="10" fill="hold">
-                            <p:stCondLst>
-                              <p:cond delay="0"/>
-                            </p:stCondLst>
-                            <p:childTnLst>
-                              <p:par>
-                                <p:cTn id="11" presetID="2" presetClass="entr" presetSubtype="4" fill="hold" nodeType="clickEffect">
-                                  <p:stCondLst>
-                                    <p:cond delay="0"/>
-                                  </p:stCondLst>
-                                  <p:childTnLst>
-                                    <p:set>
-                                      <p:cBhvr>
-                                        <p:cTn id="12" dur="1" fill="hold">
-                                          <p:stCondLst>
-                                            <p:cond delay="0"/>
-                                          </p:stCondLst>
-                                        </p:cTn>
-                                        <p:tgtEl>
-                                          <p:spTgt spid="3">
-                                            <p:txEl>
-                                              <p:pRg st="0" end="0"/>
-                                            </p:txEl>
-                                          </p:spTgt>
-                                        </p:tgtEl>
-                                        <p:attrNameLst>
-                                          <p:attrName>style.visibility</p:attrName>
-                                        </p:attrNameLst>
-                                      </p:cBhvr>
-                                      <p:to>
-                                        <p:strVal val="visible"/>
-                                      </p:to>
-                                    </p:set>
-                                    <p:anim calcmode="lin" valueType="num">
-                                      <p:cBhvr additive="base">
-                                        <p:cTn id="13" dur="500" fill="hold"/>
-                                        <p:tgtEl>
-                                          <p:spTgt spid="3">
-                                            <p:txEl>
-                                              <p:pRg st="0" end="0"/>
-                                            </p:txEl>
-                                          </p:spTgt>
-                                        </p:tgtEl>
-                                        <p:attrNameLst>
-                                          <p:attrName>ppt_x</p:attrName>
-                                        </p:attrNameLst>
-                                      </p:cBhvr>
-                                      <p:tavLst>
-                                        <p:tav tm="0">
-                                          <p:val>
-                                            <p:strVal val="#ppt_x"/>
-                                          </p:val>
-                                        </p:tav>
-                                        <p:tav tm="100000">
-                                          <p:val>
-                                            <p:strVal val="#ppt_x"/>
-                                          </p:val>
-                                        </p:tav>
-                                      </p:tavLst>
-                                    </p:anim>
-                                    <p:anim calcmode="lin" valueType="num">
-                                      <p:cBhvr additive="base">
-                                        <p:cTn id="14" dur="500" fill="hold"/>
-                                        <p:tgtEl>
-                                          <p:spTgt spid="3">
-                                            <p:txEl>
-                                              <p:pRg st="0" end="0"/>
-                                            </p:txEl>
-                                          </p:spTgt>
-                                        </p:tgtEl>
-                                        <p:attrNameLst>
-                                          <p:attrName>ppt_y</p:attrName>
-                                        </p:attrNameLst>
-                                      </p:cBhvr>
-                                      <p:tavLst>
-                                        <p:tav tm="0">
-                                          <p:val>
-                                            <p:strVal val="1+#ppt_h/2"/>
-                                          </p:val>
-                                        </p:tav>
-                                        <p:tav tm="100000">
-                                          <p:val>
-                                            <p:strVal val="#ppt_y"/>
-                                          </p:val>
-                                        </p:tav>
-                                      </p:tavLst>
-                                    </p:anim>
-                                  </p:childTnLst>
-                                </p:cTn>
-                              </p:par>
-                            </p:childTnLst>
-                          </p:cTn>
-                        </p:par>
-                      </p:childTnLst>
-                    </p:cTn>
-                  </p:par>
-                </p:childTnLst>
-              </p:cTn>
-              <p:prevCondLst>
-                <p:cond evt="onPrev" delay="0">
-                  <p:tgtEl>
-                    <p:sldTgt/>
-                  </p:tgtEl>
-                </p:cond>
-              </p:prevCondLst>
-              <p:nextCondLst>
-                <p:cond evt="onNext" delay="0">
-                  <p:tgtEl>
-                    <p:sldTgt/>
-                  </p:tgtEl>
-                </p:cond>
-              </p:nextCondLst>
-            </p:seq>
-          </p:childTnLst>
-        </p:cTn>
-      </p:par>
-    </p:tnLst>
-  </p:timing>
 </p:sld>
 </file>
 
@@ -5013,314 +4765,6 @@
   <p:clrMapOvr>
     <a:masterClrMapping/>
   </p:clrMapOvr>
-  <p:timing>
-    <p:tnLst>
-      <p:par>
-        <p:cTn id="1" dur="indefinite" restart="never" nodeType="tmRoot">
-          <p:childTnLst>
-            <p:seq concurrent="1" nextAc="seek">
-              <p:cTn id="2" dur="indefinite" nodeType="mainSeq">
-                <p:childTnLst>
-                  <p:par>
-                    <p:cTn id="3" fill="hold">
-                      <p:stCondLst>
-                        <p:cond delay="indefinite"/>
-                      </p:stCondLst>
-                      <p:childTnLst>
-                        <p:par>
-                          <p:cTn id="4" fill="hold">
-                            <p:stCondLst>
-                              <p:cond delay="0"/>
-                            </p:stCondLst>
-                            <p:childTnLst>
-                              <p:par>
-                                <p:cTn id="5" presetID="2" presetClass="entr" presetSubtype="4" fill="hold" grpId="0" nodeType="clickEffect">
-                                  <p:stCondLst>
-                                    <p:cond delay="0"/>
-                                  </p:stCondLst>
-                                  <p:childTnLst>
-                                    <p:set>
-                                      <p:cBhvr>
-                                        <p:cTn id="6" dur="1" fill="hold">
-                                          <p:stCondLst>
-                                            <p:cond delay="0"/>
-                                          </p:stCondLst>
-                                        </p:cTn>
-                                        <p:tgtEl>
-                                          <p:spTgt spid="14"/>
-                                        </p:tgtEl>
-                                        <p:attrNameLst>
-                                          <p:attrName>style.visibility</p:attrName>
-                                        </p:attrNameLst>
-                                      </p:cBhvr>
-                                      <p:to>
-                                        <p:strVal val="visible"/>
-                                      </p:to>
-                                    </p:set>
-                                    <p:anim calcmode="lin" valueType="num">
-                                      <p:cBhvr additive="base">
-                                        <p:cTn id="7" dur="500" fill="hold"/>
-                                        <p:tgtEl>
-                                          <p:spTgt spid="14"/>
-                                        </p:tgtEl>
-                                        <p:attrNameLst>
-                                          <p:attrName>ppt_x</p:attrName>
-                                        </p:attrNameLst>
-                                      </p:cBhvr>
-                                      <p:tavLst>
-                                        <p:tav tm="0">
-                                          <p:val>
-                                            <p:strVal val="#ppt_x"/>
-                                          </p:val>
-                                        </p:tav>
-                                        <p:tav tm="100000">
-                                          <p:val>
-                                            <p:strVal val="#ppt_x"/>
-                                          </p:val>
-                                        </p:tav>
-                                      </p:tavLst>
-                                    </p:anim>
-                                    <p:anim calcmode="lin" valueType="num">
-                                      <p:cBhvr additive="base">
-                                        <p:cTn id="8" dur="500" fill="hold"/>
-                                        <p:tgtEl>
-                                          <p:spTgt spid="14"/>
-                                        </p:tgtEl>
-                                        <p:attrNameLst>
-                                          <p:attrName>ppt_y</p:attrName>
-                                        </p:attrNameLst>
-                                      </p:cBhvr>
-                                      <p:tavLst>
-                                        <p:tav tm="0">
-                                          <p:val>
-                                            <p:strVal val="1+#ppt_h/2"/>
-                                          </p:val>
-                                        </p:tav>
-                                        <p:tav tm="100000">
-                                          <p:val>
-                                            <p:strVal val="#ppt_y"/>
-                                          </p:val>
-                                        </p:tav>
-                                      </p:tavLst>
-                                    </p:anim>
-                                  </p:childTnLst>
-                                </p:cTn>
-                              </p:par>
-                            </p:childTnLst>
-                          </p:cTn>
-                        </p:par>
-                      </p:childTnLst>
-                    </p:cTn>
-                  </p:par>
-                  <p:par>
-                    <p:cTn id="9" fill="hold">
-                      <p:stCondLst>
-                        <p:cond delay="indefinite"/>
-                      </p:stCondLst>
-                      <p:childTnLst>
-                        <p:par>
-                          <p:cTn id="10" fill="hold">
-                            <p:stCondLst>
-                              <p:cond delay="0"/>
-                            </p:stCondLst>
-                            <p:childTnLst>
-                              <p:par>
-                                <p:cTn id="11" presetID="2" presetClass="entr" presetSubtype="4" fill="hold" grpId="0" nodeType="clickEffect">
-                                  <p:stCondLst>
-                                    <p:cond delay="0"/>
-                                  </p:stCondLst>
-                                  <p:childTnLst>
-                                    <p:set>
-                                      <p:cBhvr>
-                                        <p:cTn id="12" dur="1" fill="hold">
-                                          <p:stCondLst>
-                                            <p:cond delay="0"/>
-                                          </p:stCondLst>
-                                        </p:cTn>
-                                        <p:tgtEl>
-                                          <p:spTgt spid="18"/>
-                                        </p:tgtEl>
-                                        <p:attrNameLst>
-                                          <p:attrName>style.visibility</p:attrName>
-                                        </p:attrNameLst>
-                                      </p:cBhvr>
-                                      <p:to>
-                                        <p:strVal val="visible"/>
-                                      </p:to>
-                                    </p:set>
-                                    <p:anim calcmode="lin" valueType="num">
-                                      <p:cBhvr additive="base">
-                                        <p:cTn id="13" dur="500" fill="hold"/>
-                                        <p:tgtEl>
-                                          <p:spTgt spid="18"/>
-                                        </p:tgtEl>
-                                        <p:attrNameLst>
-                                          <p:attrName>ppt_x</p:attrName>
-                                        </p:attrNameLst>
-                                      </p:cBhvr>
-                                      <p:tavLst>
-                                        <p:tav tm="0">
-                                          <p:val>
-                                            <p:strVal val="#ppt_x"/>
-                                          </p:val>
-                                        </p:tav>
-                                        <p:tav tm="100000">
-                                          <p:val>
-                                            <p:strVal val="#ppt_x"/>
-                                          </p:val>
-                                        </p:tav>
-                                      </p:tavLst>
-                                    </p:anim>
-                                    <p:anim calcmode="lin" valueType="num">
-                                      <p:cBhvr additive="base">
-                                        <p:cTn id="14" dur="500" fill="hold"/>
-                                        <p:tgtEl>
-                                          <p:spTgt spid="18"/>
-                                        </p:tgtEl>
-                                        <p:attrNameLst>
-                                          <p:attrName>ppt_y</p:attrName>
-                                        </p:attrNameLst>
-                                      </p:cBhvr>
-                                      <p:tavLst>
-                                        <p:tav tm="0">
-                                          <p:val>
-                                            <p:strVal val="1+#ppt_h/2"/>
-                                          </p:val>
-                                        </p:tav>
-                                        <p:tav tm="100000">
-                                          <p:val>
-                                            <p:strVal val="#ppt_y"/>
-                                          </p:val>
-                                        </p:tav>
-                                      </p:tavLst>
-                                    </p:anim>
-                                  </p:childTnLst>
-                                </p:cTn>
-                              </p:par>
-                            </p:childTnLst>
-                          </p:cTn>
-                        </p:par>
-                      </p:childTnLst>
-                    </p:cTn>
-                  </p:par>
-                  <p:par>
-                    <p:cTn id="15" fill="hold">
-                      <p:stCondLst>
-                        <p:cond delay="indefinite"/>
-                      </p:stCondLst>
-                      <p:childTnLst>
-                        <p:par>
-                          <p:cTn id="16" fill="hold">
-                            <p:stCondLst>
-                              <p:cond delay="0"/>
-                            </p:stCondLst>
-                            <p:childTnLst>
-                              <p:par>
-                                <p:cTn id="17" presetID="2" presetClass="entr" presetSubtype="4" fill="hold" grpId="0" nodeType="clickEffect">
-                                  <p:stCondLst>
-                                    <p:cond delay="0"/>
-                                  </p:stCondLst>
-                                  <p:childTnLst>
-                                    <p:set>
-                                      <p:cBhvr>
-                                        <p:cTn id="18" dur="1" fill="hold">
-                                          <p:stCondLst>
-                                            <p:cond delay="0"/>
-                                          </p:stCondLst>
-                                        </p:cTn>
-                                        <p:tgtEl>
-                                          <p:spTgt spid="15"/>
-                                        </p:tgtEl>
-                                        <p:attrNameLst>
-                                          <p:attrName>style.visibility</p:attrName>
-                                        </p:attrNameLst>
-                                      </p:cBhvr>
-                                      <p:to>
-                                        <p:strVal val="visible"/>
-                                      </p:to>
-                                    </p:set>
-                                    <p:anim calcmode="lin" valueType="num">
-                                      <p:cBhvr additive="base">
-                                        <p:cTn id="19" dur="500" fill="hold"/>
-                                        <p:tgtEl>
-                                          <p:spTgt spid="15"/>
-                                        </p:tgtEl>
-                                        <p:attrNameLst>
-                                          <p:attrName>ppt_x</p:attrName>
-                                        </p:attrNameLst>
-                                      </p:cBhvr>
-                                      <p:tavLst>
-                                        <p:tav tm="0">
-                                          <p:val>
-                                            <p:strVal val="#ppt_x"/>
-                                          </p:val>
-                                        </p:tav>
-                                        <p:tav tm="100000">
-                                          <p:val>
-                                            <p:strVal val="#ppt_x"/>
-                                          </p:val>
-                                        </p:tav>
-                                      </p:tavLst>
-                                    </p:anim>
-                                    <p:anim calcmode="lin" valueType="num">
-                                      <p:cBhvr additive="base">
-                                        <p:cTn id="20" dur="500" fill="hold"/>
-                                        <p:tgtEl>
-                                          <p:spTgt spid="15"/>
-                                        </p:tgtEl>
-                                        <p:attrNameLst>
-                                          <p:attrName>ppt_y</p:attrName>
-                                        </p:attrNameLst>
-                                      </p:cBhvr>
-                                      <p:tavLst>
-                                        <p:tav tm="0">
-                                          <p:val>
-                                            <p:strVal val="1+#ppt_h/2"/>
-                                          </p:val>
-                                        </p:tav>
-                                        <p:tav tm="100000">
-                                          <p:val>
-                                            <p:strVal val="#ppt_y"/>
-                                          </p:val>
-                                        </p:tav>
-                                      </p:tavLst>
-                                    </p:anim>
-                                  </p:childTnLst>
-                                </p:cTn>
-                              </p:par>
-                            </p:childTnLst>
-                          </p:cTn>
-                        </p:par>
-                      </p:childTnLst>
-                    </p:cTn>
-                  </p:par>
-                </p:childTnLst>
-              </p:cTn>
-              <p:prevCondLst>
-                <p:cond evt="onPrev" delay="0">
-                  <p:tgtEl>
-                    <p:sldTgt/>
-                  </p:tgtEl>
-                </p:cond>
-              </p:prevCondLst>
-              <p:nextCondLst>
-                <p:cond evt="onNext" delay="0">
-                  <p:tgtEl>
-                    <p:sldTgt/>
-                  </p:tgtEl>
-                </p:cond>
-              </p:nextCondLst>
-            </p:seq>
-          </p:childTnLst>
-        </p:cTn>
-      </p:par>
-    </p:tnLst>
-    <p:bldLst>
-      <p:bldP spid="14" grpId="0"/>
-      <p:bldP spid="15" grpId="0"/>
-      <p:bldP spid="18" grpId="0"/>
-    </p:bldLst>
-  </p:timing>
 </p:sld>
 </file>
 
@@ -5717,276 +5161,6 @@
   <p:clrMapOvr>
     <a:masterClrMapping/>
   </p:clrMapOvr>
-  <p:timing>
-    <p:tnLst>
-      <p:par>
-        <p:cTn id="1" dur="indefinite" restart="never" nodeType="tmRoot">
-          <p:childTnLst>
-            <p:seq concurrent="1" nextAc="seek">
-              <p:cTn id="2" dur="indefinite" nodeType="mainSeq">
-                <p:childTnLst>
-                  <p:par>
-                    <p:cTn id="3" fill="hold">
-                      <p:stCondLst>
-                        <p:cond delay="indefinite"/>
-                        <p:cond evt="onBegin" delay="0">
-                          <p:tn val="2"/>
-                        </p:cond>
-                      </p:stCondLst>
-                      <p:childTnLst>
-                        <p:par>
-                          <p:cTn id="4" fill="hold">
-                            <p:stCondLst>
-                              <p:cond delay="0"/>
-                            </p:stCondLst>
-                            <p:childTnLst>
-                              <p:par>
-                                <p:cTn id="5" presetID="2" presetClass="entr" presetSubtype="4" fill="hold" nodeType="withEffect">
-                                  <p:stCondLst>
-                                    <p:cond delay="0"/>
-                                  </p:stCondLst>
-                                  <p:childTnLst>
-                                    <p:set>
-                                      <p:cBhvr>
-                                        <p:cTn id="6" dur="1" fill="hold">
-                                          <p:stCondLst>
-                                            <p:cond delay="0"/>
-                                          </p:stCondLst>
-                                        </p:cTn>
-                                        <p:tgtEl>
-                                          <p:spTgt spid="6"/>
-                                        </p:tgtEl>
-                                        <p:attrNameLst>
-                                          <p:attrName>style.visibility</p:attrName>
-                                        </p:attrNameLst>
-                                      </p:cBhvr>
-                                      <p:to>
-                                        <p:strVal val="visible"/>
-                                      </p:to>
-                                    </p:set>
-                                    <p:anim calcmode="lin" valueType="num">
-                                      <p:cBhvr additive="base">
-                                        <p:cTn id="7" dur="500" fill="hold"/>
-                                        <p:tgtEl>
-                                          <p:spTgt spid="6"/>
-                                        </p:tgtEl>
-                                        <p:attrNameLst>
-                                          <p:attrName>ppt_x</p:attrName>
-                                        </p:attrNameLst>
-                                      </p:cBhvr>
-                                      <p:tavLst>
-                                        <p:tav tm="0">
-                                          <p:val>
-                                            <p:strVal val="#ppt_x"/>
-                                          </p:val>
-                                        </p:tav>
-                                        <p:tav tm="100000">
-                                          <p:val>
-                                            <p:strVal val="#ppt_x"/>
-                                          </p:val>
-                                        </p:tav>
-                                      </p:tavLst>
-                                    </p:anim>
-                                    <p:anim calcmode="lin" valueType="num">
-                                      <p:cBhvr additive="base">
-                                        <p:cTn id="8" dur="500" fill="hold"/>
-                                        <p:tgtEl>
-                                          <p:spTgt spid="6"/>
-                                        </p:tgtEl>
-                                        <p:attrNameLst>
-                                          <p:attrName>ppt_y</p:attrName>
-                                        </p:attrNameLst>
-                                      </p:cBhvr>
-                                      <p:tavLst>
-                                        <p:tav tm="0">
-                                          <p:val>
-                                            <p:strVal val="1+#ppt_h/2"/>
-                                          </p:val>
-                                        </p:tav>
-                                        <p:tav tm="100000">
-                                          <p:val>
-                                            <p:strVal val="#ppt_y"/>
-                                          </p:val>
-                                        </p:tav>
-                                      </p:tavLst>
-                                    </p:anim>
-                                  </p:childTnLst>
-                                </p:cTn>
-                              </p:par>
-                              <p:par>
-                                <p:cTn id="9" presetID="2" presetClass="entr" presetSubtype="4" fill="hold" nodeType="withEffect">
-                                  <p:stCondLst>
-                                    <p:cond delay="0"/>
-                                  </p:stCondLst>
-                                  <p:childTnLst>
-                                    <p:set>
-                                      <p:cBhvr>
-                                        <p:cTn id="10" dur="1" fill="hold">
-                                          <p:stCondLst>
-                                            <p:cond delay="0"/>
-                                          </p:stCondLst>
-                                        </p:cTn>
-                                        <p:tgtEl>
-                                          <p:spTgt spid="5"/>
-                                        </p:tgtEl>
-                                        <p:attrNameLst>
-                                          <p:attrName>style.visibility</p:attrName>
-                                        </p:attrNameLst>
-                                      </p:cBhvr>
-                                      <p:to>
-                                        <p:strVal val="visible"/>
-                                      </p:to>
-                                    </p:set>
-                                    <p:anim calcmode="lin" valueType="num">
-                                      <p:cBhvr additive="base">
-                                        <p:cTn id="11" dur="500" fill="hold"/>
-                                        <p:tgtEl>
-                                          <p:spTgt spid="5"/>
-                                        </p:tgtEl>
-                                        <p:attrNameLst>
-                                          <p:attrName>ppt_x</p:attrName>
-                                        </p:attrNameLst>
-                                      </p:cBhvr>
-                                      <p:tavLst>
-                                        <p:tav tm="0">
-                                          <p:val>
-                                            <p:strVal val="#ppt_x"/>
-                                          </p:val>
-                                        </p:tav>
-                                        <p:tav tm="100000">
-                                          <p:val>
-                                            <p:strVal val="#ppt_x"/>
-                                          </p:val>
-                                        </p:tav>
-                                      </p:tavLst>
-                                    </p:anim>
-                                    <p:anim calcmode="lin" valueType="num">
-                                      <p:cBhvr additive="base">
-                                        <p:cTn id="12" dur="500" fill="hold"/>
-                                        <p:tgtEl>
-                                          <p:spTgt spid="5"/>
-                                        </p:tgtEl>
-                                        <p:attrNameLst>
-                                          <p:attrName>ppt_y</p:attrName>
-                                        </p:attrNameLst>
-                                      </p:cBhvr>
-                                      <p:tavLst>
-                                        <p:tav tm="0">
-                                          <p:val>
-                                            <p:strVal val="1+#ppt_h/2"/>
-                                          </p:val>
-                                        </p:tav>
-                                        <p:tav tm="100000">
-                                          <p:val>
-                                            <p:strVal val="#ppt_y"/>
-                                          </p:val>
-                                        </p:tav>
-                                      </p:tavLst>
-                                    </p:anim>
-                                  </p:childTnLst>
-                                </p:cTn>
-                              </p:par>
-                              <p:par>
-                                <p:cTn id="13" presetID="2" presetClass="entr" presetSubtype="4" fill="hold" nodeType="withEffect">
-                                  <p:stCondLst>
-                                    <p:cond delay="0"/>
-                                  </p:stCondLst>
-                                  <p:childTnLst>
-                                    <p:set>
-                                      <p:cBhvr>
-                                        <p:cTn id="14" dur="1" fill="hold">
-                                          <p:stCondLst>
-                                            <p:cond delay="0"/>
-                                          </p:stCondLst>
-                                        </p:cTn>
-                                        <p:tgtEl>
-                                          <p:spTgt spid="4"/>
-                                        </p:tgtEl>
-                                        <p:attrNameLst>
-                                          <p:attrName>style.visibility</p:attrName>
-                                        </p:attrNameLst>
-                                      </p:cBhvr>
-                                      <p:to>
-                                        <p:strVal val="visible"/>
-                                      </p:to>
-                                    </p:set>
-                                    <p:anim calcmode="lin" valueType="num">
-                                      <p:cBhvr additive="base">
-                                        <p:cTn id="15" dur="500" fill="hold"/>
-                                        <p:tgtEl>
-                                          <p:spTgt spid="4"/>
-                                        </p:tgtEl>
-                                        <p:attrNameLst>
-                                          <p:attrName>ppt_x</p:attrName>
-                                        </p:attrNameLst>
-                                      </p:cBhvr>
-                                      <p:tavLst>
-                                        <p:tav tm="0">
-                                          <p:val>
-                                            <p:strVal val="#ppt_x"/>
-                                          </p:val>
-                                        </p:tav>
-                                        <p:tav tm="100000">
-                                          <p:val>
-                                            <p:strVal val="#ppt_x"/>
-                                          </p:val>
-                                        </p:tav>
-                                      </p:tavLst>
-                                    </p:anim>
-                                    <p:anim calcmode="lin" valueType="num">
-                                      <p:cBhvr additive="base">
-                                        <p:cTn id="16" dur="500" fill="hold"/>
-                                        <p:tgtEl>
-                                          <p:spTgt spid="4"/>
-                                        </p:tgtEl>
-                                        <p:attrNameLst>
-                                          <p:attrName>ppt_y</p:attrName>
-                                        </p:attrNameLst>
-                                      </p:cBhvr>
-                                      <p:tavLst>
-                                        <p:tav tm="0">
-                                          <p:val>
-                                            <p:strVal val="1+#ppt_h/2"/>
-                                          </p:val>
-                                        </p:tav>
-                                        <p:tav tm="100000">
-                                          <p:val>
-                                            <p:strVal val="#ppt_y"/>
-                                          </p:val>
-                                        </p:tav>
-                                      </p:tavLst>
-                                    </p:anim>
-                                  </p:childTnLst>
-                                </p:cTn>
-                              </p:par>
-                            </p:childTnLst>
-                          </p:cTn>
-                        </p:par>
-                      </p:childTnLst>
-                    </p:cTn>
-                  </p:par>
-                </p:childTnLst>
-              </p:cTn>
-              <p:prevCondLst>
-                <p:cond evt="onPrev" delay="0">
-                  <p:tgtEl>
-                    <p:sldTgt/>
-                  </p:tgtEl>
-                </p:cond>
-              </p:prevCondLst>
-              <p:nextCondLst>
-                <p:cond evt="onNext" delay="0">
-                  <p:tgtEl>
-                    <p:sldTgt/>
-                  </p:tgtEl>
-                </p:cond>
-              </p:nextCondLst>
-            </p:seq>
-          </p:childTnLst>
-        </p:cTn>
-      </p:par>
-    </p:tnLst>
-  </p:timing>
 </p:sld>
 </file>
 
@@ -6404,8 +5578,8 @@
           </a:p>
         </p:txBody>
       </p:sp>
-      <mc:AlternateContent xmlns:mc="http://schemas.openxmlformats.org/markup-compatibility/2006">
-        <mc:Choice xmlns:a14="http://schemas.microsoft.com/office/drawing/2010/main" Requires="a14">
+      <mc:AlternateContent xmlns:mc="http://schemas.openxmlformats.org/markup-compatibility/2006" xmlns:a14="http://schemas.microsoft.com/office/drawing/2010/main">
+        <mc:Choice Requires="a14">
           <p:graphicFrame>
             <p:nvGraphicFramePr>
               <p:cNvPr id="6" name="Table 6">
@@ -6904,7 +6078,7 @@
             </a:graphic>
           </p:graphicFrame>
         </mc:Choice>
-        <mc:Fallback>
+        <mc:Fallback xmlns="">
           <p:graphicFrame>
             <p:nvGraphicFramePr>
               <p:cNvPr id="6" name="Table 6">
